--- a/Sprint2/ppt/powerp2.pptx
+++ b/Sprint2/ppt/powerp2.pptx
@@ -304,7 +304,7 @@
           <a:p>
             <a:fld id="{655A5808-3B61-48CC-92EF-85AC2E0DFA56}" type="datetime2">
               <a:rPr lang="en-US" smtClean="0"/>
-              <a:t>Tuesday, October 18, 2022</a:t>
+              <a:t>Wednesday, October 19, 2022</a:t>
             </a:fld>
             <a:endParaRPr lang="en-US"/>
           </a:p>
@@ -502,7 +502,7 @@
           <a:p>
             <a:fld id="{735E98AF-4574-4509-BF7A-519ACD5BF826}" type="datetime2">
               <a:rPr lang="en-US" smtClean="0"/>
-              <a:t>Tuesday, October 18, 2022</a:t>
+              <a:t>Wednesday, October 19, 2022</a:t>
             </a:fld>
             <a:endParaRPr lang="en-US"/>
           </a:p>
@@ -710,7 +710,7 @@
           <a:p>
             <a:fld id="{93DD97D4-9636-490F-85D0-E926C2B6F3B1}" type="datetime2">
               <a:rPr lang="en-US" smtClean="0"/>
-              <a:t>Tuesday, October 18, 2022</a:t>
+              <a:t>Wednesday, October 19, 2022</a:t>
             </a:fld>
             <a:endParaRPr lang="en-US"/>
           </a:p>
@@ -908,7 +908,7 @@
           <a:p>
             <a:fld id="{2F3AF3C6-0FD4-4939-991C-00DDE5C56815}" type="datetime2">
               <a:rPr lang="en-US" smtClean="0"/>
-              <a:t>Tuesday, October 18, 2022</a:t>
+              <a:t>Wednesday, October 19, 2022</a:t>
             </a:fld>
             <a:endParaRPr lang="en-US"/>
           </a:p>
@@ -1188,7 +1188,7 @@
           <a:p>
             <a:fld id="{86807482-8128-47C6-A8DD-6452B0291CFF}" type="datetime2">
               <a:rPr lang="en-US" smtClean="0"/>
-              <a:t>Tuesday, October 18, 2022</a:t>
+              <a:t>Wednesday, October 19, 2022</a:t>
             </a:fld>
             <a:endParaRPr lang="en-US"/>
           </a:p>
@@ -1453,7 +1453,7 @@
           <a:p>
             <a:fld id="{37903F25-275E-41DE-BE3B-EBF0DB49F9B1}" type="datetime2">
               <a:rPr lang="en-US" smtClean="0"/>
-              <a:t>Tuesday, October 18, 2022</a:t>
+              <a:t>Wednesday, October 19, 2022</a:t>
             </a:fld>
             <a:endParaRPr lang="en-US"/>
           </a:p>
@@ -1832,7 +1832,7 @@
           <a:p>
             <a:fld id="{EE475572-4A44-4171-84AA-64D42C8050A6}" type="datetime2">
               <a:rPr lang="en-US" smtClean="0"/>
-              <a:t>Tuesday, October 18, 2022</a:t>
+              <a:t>Wednesday, October 19, 2022</a:t>
             </a:fld>
             <a:endParaRPr lang="en-US"/>
           </a:p>
@@ -2001,7 +2001,7 @@
           <a:p>
             <a:fld id="{C4C1612E-528E-4FD5-9E9E-E15F1108F171}" type="datetime2">
               <a:rPr lang="en-US" smtClean="0"/>
-              <a:t>Tuesday, October 18, 2022</a:t>
+              <a:t>Wednesday, October 19, 2022</a:t>
             </a:fld>
             <a:endParaRPr lang="en-US"/>
           </a:p>
@@ -2114,7 +2114,7 @@
           <a:p>
             <a:fld id="{D4F6D862-A06D-436F-A92E-EBAAD50B6E50}" type="datetime2">
               <a:rPr lang="en-US" smtClean="0"/>
-              <a:t>Tuesday, October 18, 2022</a:t>
+              <a:t>Wednesday, October 19, 2022</a:t>
             </a:fld>
             <a:endParaRPr lang="en-US"/>
           </a:p>
@@ -2430,7 +2430,7 @@
           <a:p>
             <a:fld id="{B73E0B7D-2260-4809-8F0A-9E5F3E24F169}" type="datetime2">
               <a:rPr lang="en-US" smtClean="0"/>
-              <a:t>Tuesday, October 18, 2022</a:t>
+              <a:t>Wednesday, October 19, 2022</a:t>
             </a:fld>
             <a:endParaRPr lang="en-US"/>
           </a:p>
@@ -2721,7 +2721,7 @@
           <a:p>
             <a:fld id="{3C8E4735-C637-46A3-94EB-AB3AC4188D2F}" type="datetime2">
               <a:rPr lang="en-US" smtClean="0"/>
-              <a:t>Tuesday, October 18, 2022</a:t>
+              <a:t>Wednesday, October 19, 2022</a:t>
             </a:fld>
             <a:endParaRPr lang="en-US"/>
           </a:p>
@@ -3089,7 +3089,7 @@
             <a:fld id="{AE0C963C-C1DB-4AFD-9DDC-0691666BF49B}" type="datetime2">
               <a:rPr lang="en-US" smtClean="0"/>
               <a:pPr/>
-              <a:t>Tuesday, October 18, 2022</a:t>
+              <a:t>Wednesday, October 19, 2022</a:t>
             </a:fld>
             <a:endParaRPr lang="en-US" cap="all"/>
           </a:p>
@@ -8049,13 +8049,13 @@
   <p:clrMapOvr>
     <a:masterClrMapping/>
   </p:clrMapOvr>
-  <mc:AlternateContent xmlns:mc="http://schemas.openxmlformats.org/markup-compatibility/2006">
-    <mc:Choice xmlns:p14="http://schemas.microsoft.com/office/powerpoint/2010/main" Requires="p14">
+  <mc:AlternateContent xmlns:mc="http://schemas.openxmlformats.org/markup-compatibility/2006" xmlns:p14="http://schemas.microsoft.com/office/powerpoint/2010/main">
+    <mc:Choice Requires="p14">
       <p:transition p14:dur="250">
         <p14:reveal/>
       </p:transition>
     </mc:Choice>
-    <mc:Fallback>
+    <mc:Fallback xmlns="">
       <p:transition>
         <p:fade/>
       </p:transition>
@@ -8450,13 +8450,13 @@
   <p:clrMapOvr>
     <a:masterClrMapping/>
   </p:clrMapOvr>
-  <mc:AlternateContent xmlns:mc="http://schemas.openxmlformats.org/markup-compatibility/2006">
-    <mc:Choice xmlns:p14="http://schemas.microsoft.com/office/powerpoint/2010/main" Requires="p14">
+  <mc:AlternateContent xmlns:mc="http://schemas.openxmlformats.org/markup-compatibility/2006" xmlns:p14="http://schemas.microsoft.com/office/powerpoint/2010/main">
+    <mc:Choice Requires="p14">
       <p:transition p14:dur="250">
         <p14:reveal/>
       </p:transition>
     </mc:Choice>
-    <mc:Fallback>
+    <mc:Fallback xmlns="">
       <p:transition>
         <p:fade/>
       </p:transition>
@@ -9260,17 +9260,17 @@
           <a:p>
             <a:pPr algn="ctr"/>
             <a:r>
-              <a:rPr lang="en-US" sz="3200">
+              <a:rPr lang="en-US" sz="3200" dirty="0">
                 <a:latin typeface="Montserrat SemiBold"/>
                 <a:cs typeface="Calibri" panose="020F0502020204030204"/>
               </a:rPr>
               <a:t>LOUCO</a:t>
             </a:r>
-            <a:endParaRPr lang="en-US" sz="3200"/>
+            <a:endParaRPr lang="en-US" sz="3200" dirty="0"/>
           </a:p>
           <a:p>
             <a:pPr algn="ctr"/>
-            <a:endParaRPr lang="en-US" sz="2000">
+            <a:endParaRPr lang="en-US" sz="2000" dirty="0">
               <a:latin typeface="Montserrat SemiBold"/>
               <a:cs typeface="Calibri" panose="020F0502020204030204"/>
             </a:endParaRPr>
@@ -9281,47 +9281,47 @@
               <a:buChar char="•"/>
             </a:pPr>
             <a:r>
-              <a:rPr lang="en-US" sz="2000" err="1">
+              <a:rPr lang="en-US" sz="2000" dirty="0" err="1">
                 <a:latin typeface="Montserrat SemiBold"/>
                 <a:cs typeface="Calibri" panose="020F0502020204030204"/>
               </a:rPr>
               <a:t>Ausência</a:t>
             </a:r>
             <a:r>
-              <a:rPr lang="en-US" sz="2000">
+              <a:rPr lang="en-US" sz="2000" dirty="0">
                 <a:latin typeface="Montserrat SemiBold"/>
                 <a:cs typeface="Calibri" panose="020F0502020204030204"/>
               </a:rPr>
               <a:t> </a:t>
             </a:r>
             <a:r>
-              <a:rPr lang="en-US" sz="2000" err="1">
+              <a:rPr lang="en-US" sz="2000" dirty="0" err="1">
                 <a:latin typeface="Montserrat SemiBold"/>
                 <a:cs typeface="Calibri" panose="020F0502020204030204"/>
               </a:rPr>
               <a:t>em</a:t>
             </a:r>
             <a:r>
-              <a:rPr lang="en-US" sz="2000">
+              <a:rPr lang="en-US" sz="2000" dirty="0">
                 <a:latin typeface="Montserrat SemiBold"/>
                 <a:cs typeface="Calibri" panose="020F0502020204030204"/>
               </a:rPr>
               <a:t> </a:t>
             </a:r>
             <a:r>
-              <a:rPr lang="en-US" sz="2000" err="1">
+              <a:rPr lang="en-US" sz="2000" dirty="0" err="1">
                 <a:latin typeface="Montserrat SemiBold"/>
                 <a:cs typeface="Calibri" panose="020F0502020204030204"/>
               </a:rPr>
               <a:t>reuniões</a:t>
             </a:r>
-            <a:endParaRPr lang="en-US" sz="2000">
+            <a:endParaRPr lang="en-US" sz="2000" dirty="0">
               <a:latin typeface="Montserrat SemiBold"/>
               <a:cs typeface="Calibri" panose="020F0502020204030204"/>
             </a:endParaRPr>
           </a:p>
           <a:p>
-            <a:endParaRPr lang="en-US" sz="2000">
+            <a:endParaRPr lang="en-US" sz="2000" dirty="0">
               <a:latin typeface="Montserrat SemiBold"/>
               <a:cs typeface="Calibri" panose="020F0502020204030204"/>
             </a:endParaRPr>
@@ -9332,13 +9332,13 @@
               <a:buChar char="•"/>
             </a:pPr>
             <a:r>
-              <a:rPr lang="en-US" sz="2000" err="1">
+              <a:rPr lang="en-US" sz="2000" dirty="0" err="1">
                 <a:latin typeface="Montserrat SemiBold"/>
                 <a:cs typeface="Calibri" panose="020F0502020204030204"/>
               </a:rPr>
               <a:t>Procrastinação</a:t>
             </a:r>
-            <a:endParaRPr lang="en-US" sz="2000">
+            <a:endParaRPr lang="en-US" sz="2000" dirty="0">
               <a:latin typeface="Montserrat SemiBold"/>
               <a:cs typeface="Calibri" panose="020F0502020204030204"/>
             </a:endParaRPr>
@@ -9348,7 +9348,7 @@
               <a:buFont typeface="Arial"/>
               <a:buChar char="•"/>
             </a:pPr>
-            <a:endParaRPr lang="en-US" sz="2000">
+            <a:endParaRPr lang="en-US" sz="2000" dirty="0">
               <a:latin typeface="Montserrat SemiBold"/>
               <a:cs typeface="Calibri" panose="020F0502020204030204"/>
             </a:endParaRPr>
@@ -9358,7 +9358,7 @@
               <a:buFont typeface="Arial"/>
               <a:buChar char="•"/>
             </a:pPr>
-            <a:endParaRPr lang="en-US">
+            <a:endParaRPr lang="en-US" dirty="0">
               <a:cs typeface="Calibri"/>
             </a:endParaRPr>
           </a:p>
@@ -9607,13 +9607,13 @@
   <p:clrMapOvr>
     <a:masterClrMapping/>
   </p:clrMapOvr>
-  <mc:AlternateContent xmlns:mc="http://schemas.openxmlformats.org/markup-compatibility/2006">
-    <mc:Choice xmlns:p14="http://schemas.microsoft.com/office/powerpoint/2010/main" Requires="p14">
+  <mc:AlternateContent xmlns:mc="http://schemas.openxmlformats.org/markup-compatibility/2006" xmlns:p14="http://schemas.microsoft.com/office/powerpoint/2010/main">
+    <mc:Choice Requires="p14">
       <p:transition spd="slow">
         <p14:reveal/>
       </p:transition>
     </mc:Choice>
-    <mc:Fallback>
+    <mc:Fallback xmlns="">
       <p:transition spd="slow">
         <p:fade/>
       </p:transition>
@@ -11816,8 +11816,8 @@
         </p:nvSpPr>
         <p:spPr>
           <a:xfrm>
-            <a:off x="231913" y="169164"/>
-            <a:ext cx="10241280" cy="1234440"/>
+            <a:off x="707923" y="486697"/>
+            <a:ext cx="3932237" cy="1272786"/>
           </a:xfrm>
         </p:spPr>
         <p:txBody>
@@ -11825,13 +11825,13 @@
           <a:lstStyle/>
           <a:p>
             <a:r>
-              <a:rPr lang="pt-BR">
+              <a:rPr lang="pt-BR" dirty="0">
                 <a:latin typeface="Montserrat Black" pitchFamily="2" charset="0"/>
               </a:rPr>
               <a:t>CONCLUSÃO</a:t>
             </a:r>
             <a:r>
-              <a:rPr lang="pt-BR">
+              <a:rPr lang="pt-BR" dirty="0">
                 <a:solidFill>
                   <a:schemeClr val="bg1"/>
                 </a:solidFill>
@@ -11839,7 +11839,361 @@
               </a:rPr>
               <a:t>O</a:t>
             </a:r>
-            <a:endParaRPr lang="pt-BR"/>
+            <a:endParaRPr lang="pt-BR" dirty="0"/>
+          </a:p>
+        </p:txBody>
+      </p:sp>
+      <p:sp>
+        <p:nvSpPr>
+          <p:cNvPr id="4" name="Marcador de Posição do Texto 3">
+            <a:extLst>
+              <a:ext uri="{FF2B5EF4-FFF2-40B4-BE49-F238E27FC236}">
+                <a16:creationId xmlns:a16="http://schemas.microsoft.com/office/drawing/2014/main" id="{F5E63509-BFA1-EE6E-1463-94C996D6E333}"/>
+              </a:ext>
+            </a:extLst>
+          </p:cNvPr>
+          <p:cNvSpPr>
+            <a:spLocks noGrp="1"/>
+          </p:cNvSpPr>
+          <p:nvPr>
+            <p:ph type="body" sz="half" idx="2"/>
+          </p:nvPr>
+        </p:nvSpPr>
+        <p:spPr>
+          <a:xfrm>
+            <a:off x="368709" y="1276170"/>
+            <a:ext cx="11823291" cy="4947649"/>
+          </a:xfrm>
+        </p:spPr>
+        <p:txBody>
+          <a:bodyPr>
+            <a:normAutofit/>
+          </a:bodyPr>
+          <a:lstStyle/>
+          <a:p>
+            <a:pPr marL="285750" indent="-285750">
+              <a:buFont typeface="Arial" panose="020B0604020202020204" pitchFamily="34" charset="0"/>
+              <a:buChar char="•"/>
+            </a:pPr>
+            <a:endParaRPr lang="pt-BR" sz="1800" dirty="0">
+              <a:latin typeface="Calibri" panose="020F0502020204030204" pitchFamily="34" charset="0"/>
+              <a:cs typeface="Calibri" panose="020F0502020204030204" pitchFamily="34" charset="0"/>
+            </a:endParaRPr>
+          </a:p>
+          <a:p>
+            <a:pPr marL="285750" indent="-285750">
+              <a:buFont typeface="Arial" panose="020B0604020202020204" pitchFamily="34" charset="0"/>
+              <a:buChar char="•"/>
+            </a:pPr>
+            <a:r>
+              <a:rPr lang="en-US" sz="2400" dirty="0" err="1">
+                <a:latin typeface="Montserrat SemiBold"/>
+                <a:cs typeface="Calibri" panose="020F0502020204030204"/>
+              </a:rPr>
+              <a:t>Agilidade</a:t>
+            </a:r>
+            <a:r>
+              <a:rPr lang="en-US" sz="2400" dirty="0">
+                <a:latin typeface="Montserrat SemiBold"/>
+                <a:cs typeface="Calibri" panose="020F0502020204030204"/>
+              </a:rPr>
+              <a:t> no </a:t>
+            </a:r>
+            <a:r>
+              <a:rPr lang="en-US" sz="2400" dirty="0" err="1">
+                <a:latin typeface="Montserrat SemiBold"/>
+                <a:cs typeface="Calibri" panose="020F0502020204030204"/>
+              </a:rPr>
+              <a:t>processo</a:t>
+            </a:r>
+            <a:r>
+              <a:rPr lang="en-US" sz="2400" dirty="0">
+                <a:latin typeface="Montserrat SemiBold"/>
+                <a:cs typeface="Calibri" panose="020F0502020204030204"/>
+              </a:rPr>
+              <a:t> de </a:t>
+            </a:r>
+            <a:r>
+              <a:rPr lang="en-US" sz="2400" dirty="0" err="1">
+                <a:latin typeface="Montserrat SemiBold"/>
+                <a:cs typeface="Calibri" panose="020F0502020204030204"/>
+              </a:rPr>
+              <a:t>triagem</a:t>
+            </a:r>
+            <a:endParaRPr lang="en-US" sz="2400" dirty="0">
+              <a:latin typeface="Montserrat SemiBold"/>
+              <a:cs typeface="Calibri" panose="020F0502020204030204"/>
+            </a:endParaRPr>
+          </a:p>
+          <a:p>
+            <a:endParaRPr lang="en-US" sz="2400" dirty="0">
+              <a:latin typeface="Montserrat SemiBold"/>
+              <a:cs typeface="Calibri" panose="020F0502020204030204"/>
+            </a:endParaRPr>
+          </a:p>
+          <a:p>
+            <a:pPr marL="285750" indent="-285750">
+              <a:buFont typeface="Arial" panose="020B0604020202020204" pitchFamily="34" charset="0"/>
+              <a:buChar char="•"/>
+            </a:pPr>
+            <a:r>
+              <a:rPr lang="en-US" sz="2400" dirty="0" err="1">
+                <a:latin typeface="Montserrat SemiBold"/>
+                <a:cs typeface="Calibri" panose="020F0502020204030204"/>
+              </a:rPr>
+              <a:t>Fluxo</a:t>
+            </a:r>
+            <a:r>
+              <a:rPr lang="en-US" sz="2400" dirty="0">
+                <a:latin typeface="Montserrat SemiBold"/>
+                <a:cs typeface="Calibri" panose="020F0502020204030204"/>
+              </a:rPr>
+              <a:t> </a:t>
+            </a:r>
+            <a:r>
+              <a:rPr lang="en-US" sz="2400" dirty="0" err="1">
+                <a:latin typeface="Montserrat SemiBold"/>
+                <a:cs typeface="Calibri" panose="020F0502020204030204"/>
+              </a:rPr>
+              <a:t>dinâmico</a:t>
+            </a:r>
+            <a:r>
+              <a:rPr lang="en-US" sz="2400" dirty="0">
+                <a:latin typeface="Montserrat SemiBold"/>
+                <a:cs typeface="Calibri" panose="020F0502020204030204"/>
+              </a:rPr>
+              <a:t> </a:t>
+            </a:r>
+            <a:r>
+              <a:rPr lang="en-US" sz="2400" dirty="0" err="1">
+                <a:latin typeface="Montserrat SemiBold"/>
+                <a:cs typeface="Calibri" panose="020F0502020204030204"/>
+              </a:rPr>
+              <a:t>na</a:t>
+            </a:r>
+            <a:r>
+              <a:rPr lang="en-US" sz="2400" dirty="0">
+                <a:latin typeface="Montserrat SemiBold"/>
+                <a:cs typeface="Calibri" panose="020F0502020204030204"/>
+              </a:rPr>
+              <a:t> area da </a:t>
+            </a:r>
+            <a:r>
+              <a:rPr lang="en-US" sz="2400" dirty="0" err="1">
+                <a:latin typeface="Montserrat SemiBold"/>
+                <a:cs typeface="Calibri" panose="020F0502020204030204"/>
+              </a:rPr>
+              <a:t>recepção</a:t>
+            </a:r>
+            <a:endParaRPr lang="en-US" sz="2400" dirty="0">
+              <a:latin typeface="Montserrat SemiBold"/>
+              <a:cs typeface="Calibri" panose="020F0502020204030204"/>
+            </a:endParaRPr>
+          </a:p>
+          <a:p>
+            <a:endParaRPr lang="en-US" sz="2400" dirty="0">
+              <a:latin typeface="Montserrat SemiBold"/>
+              <a:cs typeface="Calibri" panose="020F0502020204030204"/>
+            </a:endParaRPr>
+          </a:p>
+          <a:p>
+            <a:pPr marL="285750" indent="-285750">
+              <a:buFont typeface="Arial" panose="020B0604020202020204" pitchFamily="34" charset="0"/>
+              <a:buChar char="•"/>
+            </a:pPr>
+            <a:r>
+              <a:rPr lang="en-US" sz="2400" dirty="0" err="1">
+                <a:latin typeface="Montserrat SemiBold"/>
+                <a:cs typeface="Calibri" panose="020F0502020204030204"/>
+              </a:rPr>
+              <a:t>Maior</a:t>
+            </a:r>
+            <a:r>
+              <a:rPr lang="en-US" sz="2400" dirty="0">
+                <a:latin typeface="Montserrat SemiBold"/>
+                <a:cs typeface="Calibri" panose="020F0502020204030204"/>
+              </a:rPr>
+              <a:t> </a:t>
+            </a:r>
+            <a:r>
+              <a:rPr lang="en-US" sz="2400" dirty="0" err="1">
+                <a:latin typeface="Montserrat SemiBold"/>
+                <a:cs typeface="Calibri" panose="020F0502020204030204"/>
+              </a:rPr>
+              <a:t>número</a:t>
+            </a:r>
+            <a:r>
+              <a:rPr lang="en-US" sz="2400" dirty="0">
+                <a:latin typeface="Montserrat SemiBold"/>
+                <a:cs typeface="Calibri" panose="020F0502020204030204"/>
+              </a:rPr>
+              <a:t> de </a:t>
+            </a:r>
+            <a:r>
+              <a:rPr lang="en-US" sz="2400" dirty="0" err="1">
+                <a:latin typeface="Montserrat SemiBold"/>
+                <a:cs typeface="Calibri" panose="020F0502020204030204"/>
+              </a:rPr>
+              <a:t>pessoas</a:t>
+            </a:r>
+            <a:r>
+              <a:rPr lang="en-US" sz="2400" dirty="0">
+                <a:latin typeface="Montserrat SemiBold"/>
+                <a:cs typeface="Calibri" panose="020F0502020204030204"/>
+              </a:rPr>
+              <a:t> </a:t>
+            </a:r>
+            <a:r>
+              <a:rPr lang="en-US" sz="2400" dirty="0" err="1">
+                <a:latin typeface="Montserrat SemiBold"/>
+                <a:cs typeface="Calibri" panose="020F0502020204030204"/>
+              </a:rPr>
+              <a:t>atendidas</a:t>
+            </a:r>
+            <a:r>
+              <a:rPr lang="en-US" sz="2400" dirty="0">
+                <a:latin typeface="Montserrat SemiBold"/>
+                <a:cs typeface="Calibri" panose="020F0502020204030204"/>
+              </a:rPr>
+              <a:t> </a:t>
+            </a:r>
+            <a:r>
+              <a:rPr lang="en-US" sz="2400" dirty="0" err="1">
+                <a:latin typeface="Montserrat SemiBold"/>
+                <a:cs typeface="Calibri" panose="020F0502020204030204"/>
+              </a:rPr>
+              <a:t>em</a:t>
+            </a:r>
+            <a:r>
+              <a:rPr lang="en-US" sz="2400" dirty="0">
+                <a:latin typeface="Montserrat SemiBold"/>
+                <a:cs typeface="Calibri" panose="020F0502020204030204"/>
+              </a:rPr>
+              <a:t> </a:t>
+            </a:r>
+            <a:r>
+              <a:rPr lang="en-US" sz="2400" dirty="0" err="1">
+                <a:latin typeface="Montserrat SemiBold"/>
+                <a:cs typeface="Calibri" panose="020F0502020204030204"/>
+              </a:rPr>
+              <a:t>menos</a:t>
+            </a:r>
+            <a:r>
+              <a:rPr lang="en-US" sz="2400" dirty="0">
+                <a:latin typeface="Montserrat SemiBold"/>
+                <a:cs typeface="Calibri" panose="020F0502020204030204"/>
+              </a:rPr>
+              <a:t> tempo</a:t>
+            </a:r>
+          </a:p>
+          <a:p>
+            <a:endParaRPr lang="en-US" sz="2400" dirty="0">
+              <a:latin typeface="Montserrat SemiBold"/>
+              <a:cs typeface="Calibri" panose="020F0502020204030204"/>
+            </a:endParaRPr>
+          </a:p>
+          <a:p>
+            <a:pPr marL="285750" indent="-285750">
+              <a:buFont typeface="Arial" panose="020B0604020202020204" pitchFamily="34" charset="0"/>
+              <a:buChar char="•"/>
+            </a:pPr>
+            <a:r>
+              <a:rPr lang="en-US" sz="2400" dirty="0" err="1">
+                <a:latin typeface="Montserrat SemiBold"/>
+                <a:cs typeface="Calibri" panose="020F0502020204030204"/>
+              </a:rPr>
+              <a:t>Menor</a:t>
+            </a:r>
+            <a:r>
+              <a:rPr lang="en-US" sz="2400" dirty="0">
+                <a:latin typeface="Montserrat SemiBold"/>
+                <a:cs typeface="Calibri" panose="020F0502020204030204"/>
+              </a:rPr>
+              <a:t> </a:t>
+            </a:r>
+            <a:r>
+              <a:rPr lang="en-US" sz="2400" dirty="0" err="1">
+                <a:latin typeface="Montserrat SemiBold"/>
+                <a:cs typeface="Calibri" panose="020F0502020204030204"/>
+              </a:rPr>
+              <a:t>número</a:t>
+            </a:r>
+            <a:r>
+              <a:rPr lang="en-US" sz="2400" dirty="0">
+                <a:latin typeface="Montserrat SemiBold"/>
+                <a:cs typeface="Calibri" panose="020F0502020204030204"/>
+              </a:rPr>
+              <a:t> de </a:t>
+            </a:r>
+            <a:r>
+              <a:rPr lang="en-US" sz="2400" dirty="0" err="1">
+                <a:latin typeface="Montserrat SemiBold"/>
+                <a:cs typeface="Calibri" panose="020F0502020204030204"/>
+              </a:rPr>
+              <a:t>evazão</a:t>
+            </a:r>
+            <a:r>
+              <a:rPr lang="en-US" sz="2400" dirty="0">
+                <a:latin typeface="Montserrat SemiBold"/>
+                <a:cs typeface="Calibri" panose="020F0502020204030204"/>
+              </a:rPr>
+              <a:t> de </a:t>
+            </a:r>
+            <a:r>
+              <a:rPr lang="en-US" sz="2400" dirty="0" err="1">
+                <a:latin typeface="Montserrat SemiBold"/>
+                <a:cs typeface="Calibri" panose="020F0502020204030204"/>
+              </a:rPr>
+              <a:t>pacientes</a:t>
+            </a:r>
+            <a:r>
+              <a:rPr lang="en-US" sz="2400" dirty="0">
+                <a:latin typeface="Montserrat SemiBold"/>
+                <a:cs typeface="Calibri" panose="020F0502020204030204"/>
+              </a:rPr>
+              <a:t> </a:t>
+            </a:r>
+            <a:r>
+              <a:rPr lang="en-US" sz="2400" dirty="0" err="1">
+                <a:latin typeface="Montserrat SemiBold"/>
+                <a:cs typeface="Calibri" panose="020F0502020204030204"/>
+              </a:rPr>
+              <a:t>desistentes</a:t>
+            </a:r>
+            <a:endParaRPr lang="en-US" sz="2400" dirty="0">
+              <a:latin typeface="Montserrat SemiBold"/>
+              <a:cs typeface="Calibri" panose="020F0502020204030204"/>
+            </a:endParaRPr>
+          </a:p>
+          <a:p>
+            <a:pPr marL="285750" indent="-285750">
+              <a:buFont typeface="Arial" panose="020B0604020202020204" pitchFamily="34" charset="0"/>
+              <a:buChar char="•"/>
+            </a:pPr>
+            <a:endParaRPr lang="en-US" sz="2400" dirty="0">
+              <a:latin typeface="Montserrat SemiBold"/>
+              <a:cs typeface="Calibri" panose="020F0502020204030204"/>
+            </a:endParaRPr>
+          </a:p>
+          <a:p>
+            <a:pPr marL="285750" indent="-285750">
+              <a:buFont typeface="Arial" panose="020B0604020202020204" pitchFamily="34" charset="0"/>
+              <a:buChar char="•"/>
+            </a:pPr>
+            <a:endParaRPr lang="en-US" sz="1800" dirty="0">
+              <a:latin typeface="Montserrat SemiBold"/>
+              <a:cs typeface="Calibri" panose="020F0502020204030204"/>
+            </a:endParaRPr>
+          </a:p>
+          <a:p>
+            <a:pPr marL="285750" indent="-285750">
+              <a:buFont typeface="Arial" panose="020B0604020202020204" pitchFamily="34" charset="0"/>
+              <a:buChar char="•"/>
+            </a:pPr>
+            <a:endParaRPr lang="pt-BR" sz="1800" dirty="0">
+              <a:latin typeface="Calibri" panose="020F0502020204030204" pitchFamily="34" charset="0"/>
+              <a:cs typeface="Calibri" panose="020F0502020204030204" pitchFamily="34" charset="0"/>
+            </a:endParaRPr>
           </a:p>
         </p:txBody>
       </p:sp>
@@ -12111,13 +12465,13 @@
   <p:clrMapOvr>
     <a:masterClrMapping/>
   </p:clrMapOvr>
-  <mc:AlternateContent xmlns:mc="http://schemas.openxmlformats.org/markup-compatibility/2006">
-    <mc:Choice xmlns:p14="http://schemas.microsoft.com/office/powerpoint/2010/main" Requires="p14">
+  <mc:AlternateContent xmlns:mc="http://schemas.openxmlformats.org/markup-compatibility/2006" xmlns:p14="http://schemas.microsoft.com/office/powerpoint/2010/main">
+    <mc:Choice Requires="p14">
       <p:transition spd="slow">
         <p14:reveal/>
       </p:transition>
     </mc:Choice>
-    <mc:Fallback>
+    <mc:Fallback xmlns="">
       <p:transition spd="slow">
         <p:fade/>
       </p:transition>
@@ -15946,6 +16300,12 @@
 </file>
 
 <file path=customXml/item2.xml><?xml version="1.0" encoding="utf-8"?>
+<p:properties xmlns:p="http://schemas.microsoft.com/office/2006/metadata/properties" xmlns:xsi="http://www.w3.org/2001/XMLSchema-instance" xmlns:pc="http://schemas.microsoft.com/office/infopath/2007/PartnerControls">
+  <documentManagement/>
+</p:properties>
+</file>
+
+<file path=customXml/item3.xml><?xml version="1.0" encoding="utf-8"?>
 <ct:contentTypeSchema xmlns:ct="http://schemas.microsoft.com/office/2006/metadata/contentType" xmlns:ma="http://schemas.microsoft.com/office/2006/metadata/properties/metaAttributes" ct:_="" ma:_="" ma:contentTypeName="Document" ma:contentTypeID="0x010100892A8A68E1C8AD4BB8607B0553D331B3" ma:contentTypeVersion="5" ma:contentTypeDescription="Create a new document." ma:contentTypeScope="" ma:versionID="74b2e3f3a56bee18fe3a2a59198b03e5">
   <xsd:schema xmlns:xsd="http://www.w3.org/2001/XMLSchema" xmlns:xs="http://www.w3.org/2001/XMLSchema" xmlns:p="http://schemas.microsoft.com/office/2006/metadata/properties" xmlns:ns3="7a087c55-5f08-466c-910b-e029fd4269fe" xmlns:ns4="e2ca784f-4dc5-42e9-9734-389708ce15cc" targetNamespace="http://schemas.microsoft.com/office/2006/metadata/properties" ma:root="true" ma:fieldsID="d9979899fd4933bb41c74c0c74c549ba" ns3:_="" ns4:_="">
     <xsd:import namespace="7a087c55-5f08-466c-910b-e029fd4269fe"/>
@@ -16116,12 +16476,6 @@
 </ct:contentTypeSchema>
 </file>
 
-<file path=customXml/item3.xml><?xml version="1.0" encoding="utf-8"?>
-<p:properties xmlns:p="http://schemas.microsoft.com/office/2006/metadata/properties" xmlns:xsi="http://www.w3.org/2001/XMLSchema-instance" xmlns:pc="http://schemas.microsoft.com/office/infopath/2007/PartnerControls">
-  <documentManagement/>
-</p:properties>
-</file>
-
 <file path=customXml/itemProps1.xml><?xml version="1.0" encoding="utf-8"?>
 <ds:datastoreItem xmlns:ds="http://schemas.openxmlformats.org/officeDocument/2006/customXml" ds:itemID="{98E0FF72-4B2A-4E2B-BB12-C875E4D8A21E}">
   <ds:schemaRefs>
@@ -16131,6 +16485,23 @@
 </file>
 
 <file path=customXml/itemProps2.xml><?xml version="1.0" encoding="utf-8"?>
+<ds:datastoreItem xmlns:ds="http://schemas.openxmlformats.org/officeDocument/2006/customXml" ds:itemID="{9E1FC651-8BBB-4496-B593-21C26CB0760A}">
+  <ds:schemaRefs>
+    <ds:schemaRef ds:uri="http://schemas.microsoft.com/office/2006/documentManagement/types"/>
+    <ds:schemaRef ds:uri="http://purl.org/dc/dcmitype/"/>
+    <ds:schemaRef ds:uri="http://schemas.microsoft.com/office/2006/metadata/properties"/>
+    <ds:schemaRef ds:uri="http://schemas.microsoft.com/office/infopath/2007/PartnerControls"/>
+    <ds:schemaRef ds:uri="http://www.w3.org/XML/1998/namespace"/>
+    <ds:schemaRef ds:uri="7a087c55-5f08-466c-910b-e029fd4269fe"/>
+    <ds:schemaRef ds:uri="http://schemas.openxmlformats.org/package/2006/metadata/core-properties"/>
+    <ds:schemaRef ds:uri="e2ca784f-4dc5-42e9-9734-389708ce15cc"/>
+    <ds:schemaRef ds:uri="http://purl.org/dc/terms/"/>
+    <ds:schemaRef ds:uri="http://purl.org/dc/elements/1.1/"/>
+  </ds:schemaRefs>
+</ds:datastoreItem>
+</file>
+
+<file path=customXml/itemProps3.xml><?xml version="1.0" encoding="utf-8"?>
 <ds:datastoreItem xmlns:ds="http://schemas.openxmlformats.org/officeDocument/2006/customXml" ds:itemID="{617A8F93-F7C4-4815-A328-C753D9E5DDE7}">
   <ds:schemaRefs>
     <ds:schemaRef ds:uri="7a087c55-5f08-466c-910b-e029fd4269fe"/>
@@ -16147,21 +16518,4 @@
     <ds:schemaRef ds:uri="http://www.w3.org/2001/XMLSchema"/>
   </ds:schemaRefs>
 </ds:datastoreItem>
-</file>
-
-<file path=customXml/itemProps3.xml><?xml version="1.0" encoding="utf-8"?>
-<ds:datastoreItem xmlns:ds="http://schemas.openxmlformats.org/officeDocument/2006/customXml" ds:itemID="{9E1FC651-8BBB-4496-B593-21C26CB0760A}">
-  <ds:schemaRefs>
-    <ds:schemaRef ds:uri="http://schemas.microsoft.com/office/2006/documentManagement/types"/>
-    <ds:schemaRef ds:uri="http://purl.org/dc/dcmitype/"/>
-    <ds:schemaRef ds:uri="http://schemas.microsoft.com/office/2006/metadata/properties"/>
-    <ds:schemaRef ds:uri="http://schemas.microsoft.com/office/infopath/2007/PartnerControls"/>
-    <ds:schemaRef ds:uri="http://www.w3.org/XML/1998/namespace"/>
-    <ds:schemaRef ds:uri="7a087c55-5f08-466c-910b-e029fd4269fe"/>
-    <ds:schemaRef ds:uri="http://schemas.openxmlformats.org/package/2006/metadata/core-properties"/>
-    <ds:schemaRef ds:uri="e2ca784f-4dc5-42e9-9734-389708ce15cc"/>
-    <ds:schemaRef ds:uri="http://purl.org/dc/terms/"/>
-    <ds:schemaRef ds:uri="http://purl.org/dc/elements/1.1/"/>
-  </ds:schemaRefs>
-</ds:datastoreItem>
 </file>